--- a/static/resources/Introducing Gemini Nano.pptx
+++ b/static/resources/Introducing Gemini Nano.pptx
@@ -12,12 +12,13 @@
     <p:sldId id="261" r:id="rId6"/>
     <p:sldId id="264" r:id="rId7"/>
     <p:sldId id="263" r:id="rId8"/>
-    <p:sldId id="266" r:id="rId9"/>
-    <p:sldId id="265" r:id="rId10"/>
-    <p:sldId id="268" r:id="rId11"/>
-    <p:sldId id="267" r:id="rId12"/>
-    <p:sldId id="262" r:id="rId13"/>
-    <p:sldId id="257" r:id="rId14"/>
+    <p:sldId id="269" r:id="rId9"/>
+    <p:sldId id="266" r:id="rId10"/>
+    <p:sldId id="265" r:id="rId11"/>
+    <p:sldId id="268" r:id="rId12"/>
+    <p:sldId id="267" r:id="rId13"/>
+    <p:sldId id="262" r:id="rId14"/>
+    <p:sldId id="257" r:id="rId15"/>
   </p:sldIdLst>
   <p:sldSz cx="12192000" cy="6858000"/>
   <p:notesSz cx="6858000" cy="9144000"/>
@@ -5900,7 +5901,7 @@
           <p:cNvPr id="2" name="Title 1">
             <a:extLst>
               <a:ext uri="{FF2B5EF4-FFF2-40B4-BE49-F238E27FC236}">
-                <a16:creationId xmlns:a16="http://schemas.microsoft.com/office/drawing/2014/main" id="{8550F344-C406-D95B-5996-C5679A57DF17}"/>
+                <a16:creationId xmlns:a16="http://schemas.microsoft.com/office/drawing/2014/main" id="{95C3B575-55E9-25E2-C723-AD3D936D4085}"/>
               </a:ext>
             </a:extLst>
           </p:cNvPr>
@@ -5918,7 +5919,7 @@
           <a:p>
             <a:r>
               <a:rPr lang="en-US" dirty="0"/>
-              <a:t>What else can Gemini Nano do already?</a:t>
+              <a:t>Let’s get the source code…</a:t>
             </a:r>
           </a:p>
         </p:txBody>
@@ -5928,7 +5929,7 @@
           <p:cNvPr id="3" name="Content Placeholder 2">
             <a:extLst>
               <a:ext uri="{FF2B5EF4-FFF2-40B4-BE49-F238E27FC236}">
-                <a16:creationId xmlns:a16="http://schemas.microsoft.com/office/drawing/2014/main" id="{7869F811-4401-9C28-B4F1-7597AC1CE00E}"/>
+                <a16:creationId xmlns:a16="http://schemas.microsoft.com/office/drawing/2014/main" id="{36C2326F-9CA3-F4B0-1101-8A369D77E018}"/>
               </a:ext>
             </a:extLst>
           </p:cNvPr>
@@ -5945,26 +5946,59 @@
           <a:lstStyle/>
           <a:p>
             <a:r>
-              <a:rPr lang="en-US" dirty="0"/>
-              <a:t>Summarization API</a:t>
-            </a:r>
-          </a:p>
-          <a:p>
-            <a:r>
-              <a:rPr lang="en-US" dirty="0"/>
-              <a:t>Writer API</a:t>
-            </a:r>
-          </a:p>
-          <a:p>
-            <a:r>
-              <a:rPr lang="en-US" dirty="0"/>
-              <a:t>Rewriter API</a:t>
-            </a:r>
-          </a:p>
-          <a:p>
-            <a:r>
-              <a:rPr lang="en-US" dirty="0"/>
-              <a:t>Translation API</a:t>
+              <a:rPr lang="en-US" dirty="0">
+                <a:hlinkClick r:id="rId2"/>
+              </a:rPr>
+              <a:t>https://github.com/mattduffield/my-assistant</a:t>
+            </a:r>
+            <a:endParaRPr lang="en-US" dirty="0"/>
+          </a:p>
+          <a:p>
+            <a:r>
+              <a:rPr lang="en-US" dirty="0"/>
+              <a:t>Download the code from the repository</a:t>
+            </a:r>
+          </a:p>
+          <a:p>
+            <a:r>
+              <a:rPr lang="en-US" dirty="0"/>
+              <a:t>Server Setup</a:t>
+            </a:r>
+          </a:p>
+          <a:p>
+            <a:r>
+              <a:rPr lang="en-US" dirty="0"/>
+              <a:t>Simple code explanation</a:t>
+            </a:r>
+          </a:p>
+          <a:p>
+            <a:pPr lvl="1"/>
+            <a:r>
+              <a:rPr lang="en-US" dirty="0" err="1"/>
+              <a:t>index.html</a:t>
+            </a:r>
+            <a:endParaRPr lang="en-US" dirty="0"/>
+          </a:p>
+          <a:p>
+            <a:pPr lvl="1"/>
+            <a:r>
+              <a:rPr lang="en-US" dirty="0" err="1"/>
+              <a:t>index.js</a:t>
+            </a:r>
+            <a:endParaRPr lang="en-US" dirty="0"/>
+          </a:p>
+          <a:p>
+            <a:pPr lvl="1"/>
+            <a:r>
+              <a:rPr lang="en-US" dirty="0" err="1"/>
+              <a:t>bundle.css</a:t>
+            </a:r>
+            <a:endParaRPr lang="en-US" dirty="0"/>
+          </a:p>
+          <a:p>
+            <a:r>
+              <a:rPr lang="en-US" dirty="0"/>
+              <a:t>Sample Prompts</a:t>
             </a:r>
           </a:p>
         </p:txBody>
@@ -5972,7 +6006,7 @@
     </p:spTree>
     <p:extLst>
       <p:ext uri="{BB962C8B-B14F-4D97-AF65-F5344CB8AC3E}">
-        <p14:creationId xmlns:p14="http://schemas.microsoft.com/office/powerpoint/2010/main" val="2139440167"/>
+        <p14:creationId xmlns:p14="http://schemas.microsoft.com/office/powerpoint/2010/main" val="2980181841"/>
       </p:ext>
     </p:extLst>
   </p:cSld>
@@ -6004,7 +6038,7 @@
           <p:cNvPr id="2" name="Title 1">
             <a:extLst>
               <a:ext uri="{FF2B5EF4-FFF2-40B4-BE49-F238E27FC236}">
-                <a16:creationId xmlns:a16="http://schemas.microsoft.com/office/drawing/2014/main" id="{6C84F2D7-BCF1-E0D2-40C5-2E9D31D03CD0}"/>
+                <a16:creationId xmlns:a16="http://schemas.microsoft.com/office/drawing/2014/main" id="{8550F344-C406-D95B-5996-C5679A57DF17}"/>
               </a:ext>
             </a:extLst>
           </p:cNvPr>
@@ -6022,7 +6056,7 @@
           <a:p>
             <a:r>
               <a:rPr lang="en-US" dirty="0"/>
-              <a:t>What’s Next?</a:t>
+              <a:t>What else can Gemini Nano do already?</a:t>
             </a:r>
           </a:p>
         </p:txBody>
@@ -6032,7 +6066,7 @@
           <p:cNvPr id="3" name="Content Placeholder 2">
             <a:extLst>
               <a:ext uri="{FF2B5EF4-FFF2-40B4-BE49-F238E27FC236}">
-                <a16:creationId xmlns:a16="http://schemas.microsoft.com/office/drawing/2014/main" id="{E5869DD7-CADF-8E9B-0430-26D2C0739F34}"/>
+                <a16:creationId xmlns:a16="http://schemas.microsoft.com/office/drawing/2014/main" id="{7869F811-4401-9C28-B4F1-7597AC1CE00E}"/>
               </a:ext>
             </a:extLst>
           </p:cNvPr>
@@ -6050,46 +6084,39 @@
           <a:p>
             <a:r>
               <a:rPr lang="en-US" dirty="0"/>
-              <a:t>Extending what we have learned here and building:</a:t>
-            </a:r>
-          </a:p>
-          <a:p>
-            <a:pPr lvl="1"/>
-            <a:r>
-              <a:rPr lang="en-US" dirty="0"/>
-              <a:t>A retrieval augmented generation (RAG) on our own data</a:t>
-            </a:r>
-          </a:p>
-          <a:p>
-            <a:pPr lvl="1"/>
-            <a:r>
-              <a:rPr lang="en-US" dirty="0"/>
-              <a:t>Create Vector Embeddings that live in Indexed DB (browser)</a:t>
-            </a:r>
-          </a:p>
-          <a:p>
-            <a:pPr lvl="1"/>
-            <a:r>
-              <a:rPr lang="en-US" dirty="0"/>
-              <a:t>Implement natural language processing (NLP) practices to ensure our embeddings are intelligent</a:t>
-            </a:r>
-          </a:p>
-          <a:p>
-            <a:pPr lvl="1"/>
-            <a:r>
-              <a:rPr lang="en-US" dirty="0"/>
-              <a:t>Allow users to ask questions based on your embeddings</a:t>
-            </a:r>
-          </a:p>
-          <a:p>
-            <a:endParaRPr lang="en-US" dirty="0"/>
+              <a:t>Prompt API</a:t>
+            </a:r>
+          </a:p>
+          <a:p>
+            <a:r>
+              <a:rPr lang="en-US" dirty="0"/>
+              <a:t>Summarization API</a:t>
+            </a:r>
+          </a:p>
+          <a:p>
+            <a:r>
+              <a:rPr lang="en-US" dirty="0"/>
+              <a:t>Writer API</a:t>
+            </a:r>
+          </a:p>
+          <a:p>
+            <a:r>
+              <a:rPr lang="en-US" dirty="0"/>
+              <a:t>Rewriter API</a:t>
+            </a:r>
+          </a:p>
+          <a:p>
+            <a:r>
+              <a:rPr lang="en-US" dirty="0"/>
+              <a:t>Translation API</a:t>
+            </a:r>
           </a:p>
         </p:txBody>
       </p:sp>
     </p:spTree>
     <p:extLst>
       <p:ext uri="{BB962C8B-B14F-4D97-AF65-F5344CB8AC3E}">
-        <p14:creationId xmlns:p14="http://schemas.microsoft.com/office/powerpoint/2010/main" val="1188636544"/>
+        <p14:creationId xmlns:p14="http://schemas.microsoft.com/office/powerpoint/2010/main" val="2139440167"/>
       </p:ext>
     </p:extLst>
   </p:cSld>
@@ -6121,6 +6148,123 @@
           <p:cNvPr id="2" name="Title 1">
             <a:extLst>
               <a:ext uri="{FF2B5EF4-FFF2-40B4-BE49-F238E27FC236}">
+                <a16:creationId xmlns:a16="http://schemas.microsoft.com/office/drawing/2014/main" id="{6C84F2D7-BCF1-E0D2-40C5-2E9D31D03CD0}"/>
+              </a:ext>
+            </a:extLst>
+          </p:cNvPr>
+          <p:cNvSpPr>
+            <a:spLocks noGrp="1"/>
+          </p:cNvSpPr>
+          <p:nvPr>
+            <p:ph type="title"/>
+          </p:nvPr>
+        </p:nvSpPr>
+        <p:spPr/>
+        <p:txBody>
+          <a:bodyPr/>
+          <a:lstStyle/>
+          <a:p>
+            <a:r>
+              <a:rPr lang="en-US" dirty="0"/>
+              <a:t>What’s Next?</a:t>
+            </a:r>
+          </a:p>
+        </p:txBody>
+      </p:sp>
+      <p:sp>
+        <p:nvSpPr>
+          <p:cNvPr id="3" name="Content Placeholder 2">
+            <a:extLst>
+              <a:ext uri="{FF2B5EF4-FFF2-40B4-BE49-F238E27FC236}">
+                <a16:creationId xmlns:a16="http://schemas.microsoft.com/office/drawing/2014/main" id="{E5869DD7-CADF-8E9B-0430-26D2C0739F34}"/>
+              </a:ext>
+            </a:extLst>
+          </p:cNvPr>
+          <p:cNvSpPr>
+            <a:spLocks noGrp="1"/>
+          </p:cNvSpPr>
+          <p:nvPr>
+            <p:ph idx="1"/>
+          </p:nvPr>
+        </p:nvSpPr>
+        <p:spPr/>
+        <p:txBody>
+          <a:bodyPr/>
+          <a:lstStyle/>
+          <a:p>
+            <a:r>
+              <a:rPr lang="en-US" dirty="0"/>
+              <a:t>Extending what we have learned here and building:</a:t>
+            </a:r>
+          </a:p>
+          <a:p>
+            <a:pPr lvl="1"/>
+            <a:r>
+              <a:rPr lang="en-US" dirty="0"/>
+              <a:t>A retrieval augmented generation (RAG) on our own data</a:t>
+            </a:r>
+          </a:p>
+          <a:p>
+            <a:pPr lvl="1"/>
+            <a:r>
+              <a:rPr lang="en-US" dirty="0"/>
+              <a:t>Create Vector Embeddings that live in Indexed DB (browser)</a:t>
+            </a:r>
+          </a:p>
+          <a:p>
+            <a:pPr lvl="1"/>
+            <a:r>
+              <a:rPr lang="en-US" dirty="0"/>
+              <a:t>Implement natural language processing (NLP) practices to ensure our embeddings are intelligent</a:t>
+            </a:r>
+          </a:p>
+          <a:p>
+            <a:pPr lvl="1"/>
+            <a:r>
+              <a:rPr lang="en-US" dirty="0"/>
+              <a:t>Allow users to ask questions based on your embeddings</a:t>
+            </a:r>
+          </a:p>
+          <a:p>
+            <a:endParaRPr lang="en-US" dirty="0"/>
+          </a:p>
+        </p:txBody>
+      </p:sp>
+    </p:spTree>
+    <p:extLst>
+      <p:ext uri="{BB962C8B-B14F-4D97-AF65-F5344CB8AC3E}">
+        <p14:creationId xmlns:p14="http://schemas.microsoft.com/office/powerpoint/2010/main" val="1188636544"/>
+      </p:ext>
+    </p:extLst>
+  </p:cSld>
+  <p:clrMapOvr>
+    <a:masterClrMapping/>
+  </p:clrMapOvr>
+</p:sld>
+</file>
+
+<file path=ppt/slides/slide13.xml><?xml version="1.0" encoding="utf-8"?>
+<p:sld xmlns:a="http://schemas.openxmlformats.org/drawingml/2006/main" xmlns:r="http://schemas.openxmlformats.org/officeDocument/2006/relationships" xmlns:p="http://schemas.openxmlformats.org/presentationml/2006/main">
+  <p:cSld>
+    <p:spTree>
+      <p:nvGrpSpPr>
+        <p:cNvPr id="1" name=""/>
+        <p:cNvGrpSpPr/>
+        <p:nvPr/>
+      </p:nvGrpSpPr>
+      <p:grpSpPr>
+        <a:xfrm>
+          <a:off x="0" y="0"/>
+          <a:ext cx="0" cy="0"/>
+          <a:chOff x="0" y="0"/>
+          <a:chExt cx="0" cy="0"/>
+        </a:xfrm>
+      </p:grpSpPr>
+      <p:sp>
+        <p:nvSpPr>
+          <p:cNvPr id="2" name="Title 1">
+            <a:extLst>
+              <a:ext uri="{FF2B5EF4-FFF2-40B4-BE49-F238E27FC236}">
                 <a16:creationId xmlns:a16="http://schemas.microsoft.com/office/drawing/2014/main" id="{58168335-EDA8-9C34-A88F-9EE76E903C06}"/>
               </a:ext>
             </a:extLst>
@@ -6221,7 +6365,7 @@
 </p:sld>
 </file>
 
-<file path=ppt/slides/slide13.xml><?xml version="1.0" encoding="utf-8"?>
+<file path=ppt/slides/slide14.xml><?xml version="1.0" encoding="utf-8"?>
 <p:sld xmlns:a="http://schemas.openxmlformats.org/drawingml/2006/main" xmlns:r="http://schemas.openxmlformats.org/officeDocument/2006/relationships" xmlns:p="http://schemas.openxmlformats.org/presentationml/2006/main">
   <p:cSld>
     <p:spTree>
@@ -6917,7 +7061,7 @@
           <a:p>
             <a:r>
               <a:rPr lang="en-US" dirty="0"/>
-              <a:t>Models are considered, “expert models”.</a:t>
+              <a:t>Models are considered, “expert models”</a:t>
             </a:r>
           </a:p>
           <a:p>
@@ -7129,7 +7273,7 @@
         </p:spPr>
         <p:txBody>
           <a:bodyPr>
-            <a:normAutofit fontScale="92500" lnSpcReduction="20000"/>
+            <a:normAutofit/>
           </a:bodyPr>
           <a:lstStyle/>
           <a:p>
@@ -7211,73 +7355,6 @@
               <a:t>BypassPerfRequirement</a:t>
             </a:r>
             <a:endParaRPr lang="en-US" b="1" dirty="0"/>
-          </a:p>
-          <a:p>
-            <a:r>
-              <a:rPr lang="en-US" dirty="0"/>
-              <a:t>6. Go to chrome://flags/#prompt-</a:t>
-            </a:r>
-            <a:r>
-              <a:rPr lang="en-US" dirty="0" err="1"/>
-              <a:t>api</a:t>
-            </a:r>
-            <a:r>
-              <a:rPr lang="en-US" dirty="0"/>
-              <a:t>-for-</a:t>
-            </a:r>
-            <a:r>
-              <a:rPr lang="en-US" dirty="0" err="1"/>
-              <a:t>gemini</a:t>
-            </a:r>
-            <a:r>
-              <a:rPr lang="en-US" dirty="0"/>
-              <a:t>-nano</a:t>
-            </a:r>
-          </a:p>
-          <a:p>
-            <a:r>
-              <a:rPr lang="en-US" dirty="0"/>
-              <a:t>7. Select </a:t>
-            </a:r>
-            <a:r>
-              <a:rPr lang="en-US" b="1" dirty="0"/>
-              <a:t>Enabled</a:t>
-            </a:r>
-          </a:p>
-          <a:p>
-            <a:r>
-              <a:rPr lang="en-US" dirty="0"/>
-              <a:t>8. Open </a:t>
-            </a:r>
-            <a:r>
-              <a:rPr lang="en-US" dirty="0" err="1"/>
-              <a:t>DevTools</a:t>
-            </a:r>
-            <a:r>
-              <a:rPr lang="en-US" dirty="0"/>
-              <a:t> and execute the following in the console:</a:t>
-            </a:r>
-          </a:p>
-          <a:p>
-            <a:pPr lvl="1"/>
-            <a:r>
-              <a:rPr lang="en-US" dirty="0"/>
-              <a:t>(await </a:t>
-            </a:r>
-            <a:r>
-              <a:rPr lang="en-US" dirty="0" err="1"/>
-              <a:t>ai.languageModel.capabilities</a:t>
-            </a:r>
-            <a:r>
-              <a:rPr lang="en-US" dirty="0"/>
-              <a:t>()).available;</a:t>
-            </a:r>
-          </a:p>
-          <a:p>
-            <a:r>
-              <a:rPr lang="en-US" dirty="0"/>
-              <a:t>9. Confirm the model, Optimization Guide On Device Model with a version of 2024.5.21.1031 or greater</a:t>
-            </a:r>
           </a:p>
         </p:txBody>
       </p:sp>
@@ -7295,6 +7372,166 @@
 </file>
 
 <file path=ppt/slides/slide8.xml><?xml version="1.0" encoding="utf-8"?>
+<p:sld xmlns:a="http://schemas.openxmlformats.org/drawingml/2006/main" xmlns:r="http://schemas.openxmlformats.org/officeDocument/2006/relationships" xmlns:p="http://schemas.openxmlformats.org/presentationml/2006/main">
+  <p:cSld>
+    <p:spTree>
+      <p:nvGrpSpPr>
+        <p:cNvPr id="1" name="">
+          <a:extLst>
+            <a:ext uri="{FF2B5EF4-FFF2-40B4-BE49-F238E27FC236}">
+              <a16:creationId xmlns:a16="http://schemas.microsoft.com/office/drawing/2014/main" id="{A23BB671-575F-D622-05E6-553E0528E08C}"/>
+            </a:ext>
+          </a:extLst>
+        </p:cNvPr>
+        <p:cNvGrpSpPr/>
+        <p:nvPr/>
+      </p:nvGrpSpPr>
+      <p:grpSpPr>
+        <a:xfrm>
+          <a:off x="0" y="0"/>
+          <a:ext cx="0" cy="0"/>
+          <a:chOff x="0" y="0"/>
+          <a:chExt cx="0" cy="0"/>
+        </a:xfrm>
+      </p:grpSpPr>
+      <p:sp>
+        <p:nvSpPr>
+          <p:cNvPr id="2" name="Title 1">
+            <a:extLst>
+              <a:ext uri="{FF2B5EF4-FFF2-40B4-BE49-F238E27FC236}">
+                <a16:creationId xmlns:a16="http://schemas.microsoft.com/office/drawing/2014/main" id="{723B5519-6557-EA1D-1457-877C45CF671B}"/>
+              </a:ext>
+            </a:extLst>
+          </p:cNvPr>
+          <p:cNvSpPr>
+            <a:spLocks noGrp="1"/>
+          </p:cNvSpPr>
+          <p:nvPr>
+            <p:ph type="title"/>
+          </p:nvPr>
+        </p:nvSpPr>
+        <p:spPr/>
+        <p:txBody>
+          <a:bodyPr/>
+          <a:lstStyle/>
+          <a:p>
+            <a:r>
+              <a:rPr lang="en-US" dirty="0"/>
+              <a:t>Let’s get Chrome configured…cont’d</a:t>
+            </a:r>
+          </a:p>
+        </p:txBody>
+      </p:sp>
+      <p:sp>
+        <p:nvSpPr>
+          <p:cNvPr id="3" name="Content Placeholder 2">
+            <a:extLst>
+              <a:ext uri="{FF2B5EF4-FFF2-40B4-BE49-F238E27FC236}">
+                <a16:creationId xmlns:a16="http://schemas.microsoft.com/office/drawing/2014/main" id="{AFBDF2D0-93A0-A18C-6017-B193DB7ACFC8}"/>
+              </a:ext>
+            </a:extLst>
+          </p:cNvPr>
+          <p:cNvSpPr>
+            <a:spLocks noGrp="1"/>
+          </p:cNvSpPr>
+          <p:nvPr>
+            <p:ph idx="1"/>
+          </p:nvPr>
+        </p:nvSpPr>
+        <p:spPr>
+          <a:xfrm>
+            <a:off x="677334" y="1488613"/>
+            <a:ext cx="8596668" cy="4759787"/>
+          </a:xfrm>
+        </p:spPr>
+        <p:txBody>
+          <a:bodyPr>
+            <a:normAutofit/>
+          </a:bodyPr>
+          <a:lstStyle/>
+          <a:p>
+            <a:r>
+              <a:rPr lang="en-US" dirty="0"/>
+              <a:t>6. Go to chrome://flags/#prompt-</a:t>
+            </a:r>
+            <a:r>
+              <a:rPr lang="en-US" dirty="0" err="1"/>
+              <a:t>api</a:t>
+            </a:r>
+            <a:r>
+              <a:rPr lang="en-US" dirty="0"/>
+              <a:t>-for-</a:t>
+            </a:r>
+            <a:r>
+              <a:rPr lang="en-US" dirty="0" err="1"/>
+              <a:t>gemini</a:t>
+            </a:r>
+            <a:r>
+              <a:rPr lang="en-US" dirty="0"/>
+              <a:t>-nano</a:t>
+            </a:r>
+          </a:p>
+          <a:p>
+            <a:r>
+              <a:rPr lang="en-US" dirty="0"/>
+              <a:t>7. Select </a:t>
+            </a:r>
+            <a:r>
+              <a:rPr lang="en-US" b="1" dirty="0"/>
+              <a:t>Enabled</a:t>
+            </a:r>
+          </a:p>
+          <a:p>
+            <a:r>
+              <a:rPr lang="en-US" dirty="0"/>
+              <a:t>8. Open </a:t>
+            </a:r>
+            <a:r>
+              <a:rPr lang="en-US" dirty="0" err="1"/>
+              <a:t>DevTools</a:t>
+            </a:r>
+            <a:r>
+              <a:rPr lang="en-US" dirty="0"/>
+              <a:t> and execute the following in the console:</a:t>
+            </a:r>
+          </a:p>
+          <a:p>
+            <a:pPr lvl="1"/>
+            <a:r>
+              <a:rPr lang="en-US" dirty="0"/>
+              <a:t>(await </a:t>
+            </a:r>
+            <a:r>
+              <a:rPr lang="en-US" dirty="0" err="1"/>
+              <a:t>ai.languageModel.capabilities</a:t>
+            </a:r>
+            <a:r>
+              <a:rPr lang="en-US" dirty="0"/>
+              <a:t>()).available;</a:t>
+            </a:r>
+          </a:p>
+          <a:p>
+            <a:r>
+              <a:rPr lang="en-US" dirty="0"/>
+              <a:t>9. Confirm the model, Optimization Guide On Device Model with a version of 2024.5.21.1031 or greater</a:t>
+            </a:r>
+          </a:p>
+        </p:txBody>
+      </p:sp>
+    </p:spTree>
+    <p:extLst>
+      <p:ext uri="{BB962C8B-B14F-4D97-AF65-F5344CB8AC3E}">
+        <p14:creationId xmlns:p14="http://schemas.microsoft.com/office/powerpoint/2010/main" val="775061033"/>
+      </p:ext>
+    </p:extLst>
+  </p:cSld>
+  <p:clrMapOvr>
+    <a:masterClrMapping/>
+  </p:clrMapOvr>
+</p:sld>
+</file>
+
+<file path=ppt/slides/slide9.xml><?xml version="1.0" encoding="utf-8"?>
 <p:sld xmlns:a="http://schemas.openxmlformats.org/drawingml/2006/main" xmlns:r="http://schemas.openxmlformats.org/officeDocument/2006/relationships" xmlns:p="http://schemas.openxmlformats.org/presentationml/2006/main">
   <p:cSld>
     <p:spTree>
@@ -7402,143 +7639,6 @@
     <p:extLst>
       <p:ext uri="{BB962C8B-B14F-4D97-AF65-F5344CB8AC3E}">
         <p14:creationId xmlns:p14="http://schemas.microsoft.com/office/powerpoint/2010/main" val="1824949282"/>
-      </p:ext>
-    </p:extLst>
-  </p:cSld>
-  <p:clrMapOvr>
-    <a:masterClrMapping/>
-  </p:clrMapOvr>
-</p:sld>
-</file>
-
-<file path=ppt/slides/slide9.xml><?xml version="1.0" encoding="utf-8"?>
-<p:sld xmlns:a="http://schemas.openxmlformats.org/drawingml/2006/main" xmlns:r="http://schemas.openxmlformats.org/officeDocument/2006/relationships" xmlns:p="http://schemas.openxmlformats.org/presentationml/2006/main">
-  <p:cSld>
-    <p:spTree>
-      <p:nvGrpSpPr>
-        <p:cNvPr id="1" name=""/>
-        <p:cNvGrpSpPr/>
-        <p:nvPr/>
-      </p:nvGrpSpPr>
-      <p:grpSpPr>
-        <a:xfrm>
-          <a:off x="0" y="0"/>
-          <a:ext cx="0" cy="0"/>
-          <a:chOff x="0" y="0"/>
-          <a:chExt cx="0" cy="0"/>
-        </a:xfrm>
-      </p:grpSpPr>
-      <p:sp>
-        <p:nvSpPr>
-          <p:cNvPr id="2" name="Title 1">
-            <a:extLst>
-              <a:ext uri="{FF2B5EF4-FFF2-40B4-BE49-F238E27FC236}">
-                <a16:creationId xmlns:a16="http://schemas.microsoft.com/office/drawing/2014/main" id="{95C3B575-55E9-25E2-C723-AD3D936D4085}"/>
-              </a:ext>
-            </a:extLst>
-          </p:cNvPr>
-          <p:cNvSpPr>
-            <a:spLocks noGrp="1"/>
-          </p:cNvSpPr>
-          <p:nvPr>
-            <p:ph type="title"/>
-          </p:nvPr>
-        </p:nvSpPr>
-        <p:spPr/>
-        <p:txBody>
-          <a:bodyPr/>
-          <a:lstStyle/>
-          <a:p>
-            <a:r>
-              <a:rPr lang="en-US" dirty="0"/>
-              <a:t>Let’s get the source code…</a:t>
-            </a:r>
-          </a:p>
-        </p:txBody>
-      </p:sp>
-      <p:sp>
-        <p:nvSpPr>
-          <p:cNvPr id="3" name="Content Placeholder 2">
-            <a:extLst>
-              <a:ext uri="{FF2B5EF4-FFF2-40B4-BE49-F238E27FC236}">
-                <a16:creationId xmlns:a16="http://schemas.microsoft.com/office/drawing/2014/main" id="{36C2326F-9CA3-F4B0-1101-8A369D77E018}"/>
-              </a:ext>
-            </a:extLst>
-          </p:cNvPr>
-          <p:cNvSpPr>
-            <a:spLocks noGrp="1"/>
-          </p:cNvSpPr>
-          <p:nvPr>
-            <p:ph idx="1"/>
-          </p:nvPr>
-        </p:nvSpPr>
-        <p:spPr/>
-        <p:txBody>
-          <a:bodyPr/>
-          <a:lstStyle/>
-          <a:p>
-            <a:r>
-              <a:rPr lang="en-US" dirty="0">
-                <a:hlinkClick r:id="rId2"/>
-              </a:rPr>
-              <a:t>https://github.com/mattduffield/my-assistant</a:t>
-            </a:r>
-            <a:endParaRPr lang="en-US" dirty="0"/>
-          </a:p>
-          <a:p>
-            <a:r>
-              <a:rPr lang="en-US" dirty="0"/>
-              <a:t>Download the code from the repository</a:t>
-            </a:r>
-          </a:p>
-          <a:p>
-            <a:r>
-              <a:rPr lang="en-US" dirty="0"/>
-              <a:t>Server Setup</a:t>
-            </a:r>
-          </a:p>
-          <a:p>
-            <a:r>
-              <a:rPr lang="en-US" dirty="0"/>
-              <a:t>Simple code explanation</a:t>
-            </a:r>
-          </a:p>
-          <a:p>
-            <a:pPr lvl="1"/>
-            <a:r>
-              <a:rPr lang="en-US" dirty="0" err="1"/>
-              <a:t>index.html</a:t>
-            </a:r>
-            <a:endParaRPr lang="en-US" dirty="0"/>
-          </a:p>
-          <a:p>
-            <a:pPr lvl="1"/>
-            <a:r>
-              <a:rPr lang="en-US" dirty="0" err="1"/>
-              <a:t>index.js</a:t>
-            </a:r>
-            <a:endParaRPr lang="en-US" dirty="0"/>
-          </a:p>
-          <a:p>
-            <a:pPr lvl="1"/>
-            <a:r>
-              <a:rPr lang="en-US" dirty="0" err="1"/>
-              <a:t>bundle.css</a:t>
-            </a:r>
-            <a:endParaRPr lang="en-US" dirty="0"/>
-          </a:p>
-          <a:p>
-            <a:r>
-              <a:rPr lang="en-US" dirty="0"/>
-              <a:t>Sample Prompts</a:t>
-            </a:r>
-          </a:p>
-        </p:txBody>
-      </p:sp>
-    </p:spTree>
-    <p:extLst>
-      <p:ext uri="{BB962C8B-B14F-4D97-AF65-F5344CB8AC3E}">
-        <p14:creationId xmlns:p14="http://schemas.microsoft.com/office/powerpoint/2010/main" val="2980181841"/>
       </p:ext>
     </p:extLst>
   </p:cSld>
